--- a/documents/nodejs.pptx
+++ b/documents/nodejs.pptx
@@ -31,6 +31,7 @@
     <p:sldId id="278" r:id="rId25"/>
     <p:sldId id="280" r:id="rId26"/>
     <p:sldId id="281" r:id="rId27"/>
+    <p:sldId id="282" r:id="rId28"/>
   </p:sldIdLst>
   <p:sldSz cx="12192000" cy="6858000"/>
   <p:notesSz cx="6858000" cy="9144000"/>
@@ -129,6 +130,11 @@
       </a:defRPr>
     </a:lvl9pPr>
   </p:defaultTextStyle>
+  <p:extLst>
+    <p:ext uri="{EFAFB233-063F-42B5-8137-9DF3F51BA10A}">
+      <p15:sldGuideLst xmlns:p15="http://schemas.microsoft.com/office/powerpoint/2012/main"/>
+    </p:ext>
+  </p:extLst>
 </p:presentation>
 </file>
 
@@ -4109,6 +4115,65 @@
 </p:sld>
 </file>
 
+<file path=ppt/slides/slide27.xml><?xml version="1.0" encoding="utf-8"?>
+<p:sld xmlns:a="http://schemas.openxmlformats.org/drawingml/2006/main" xmlns:r="http://schemas.openxmlformats.org/officeDocument/2006/relationships" xmlns:p="http://schemas.openxmlformats.org/presentationml/2006/main">
+  <p:cSld>
+    <p:spTree>
+      <p:nvGrpSpPr>
+        <p:cNvPr id="1" name=""/>
+        <p:cNvGrpSpPr/>
+        <p:nvPr/>
+      </p:nvGrpSpPr>
+      <p:grpSpPr>
+        <a:xfrm>
+          <a:off x="0" y="0"/>
+          <a:ext cx="0" cy="0"/>
+          <a:chOff x="0" y="0"/>
+          <a:chExt cx="0" cy="0"/>
+        </a:xfrm>
+      </p:grpSpPr>
+      <p:sp>
+        <p:nvSpPr>
+          <p:cNvPr id="3" name="矩形 2"/>
+          <p:cNvSpPr/>
+          <p:nvPr/>
+        </p:nvSpPr>
+        <p:spPr>
+          <a:xfrm>
+            <a:off x="5172723" y="2429946"/>
+            <a:ext cx="1736373" cy="1015663"/>
+          </a:xfrm>
+          <a:prstGeom prst="rect">
+            <a:avLst/>
+          </a:prstGeom>
+        </p:spPr>
+        <p:txBody>
+          <a:bodyPr wrap="none">
+            <a:spAutoFit/>
+          </a:bodyPr>
+          <a:lstStyle/>
+          <a:p>
+            <a:r>
+              <a:rPr lang="en-US" altLang="zh-CN" sz="6000" dirty="0" smtClean="0"/>
+              <a:t>NPM</a:t>
+            </a:r>
+            <a:endParaRPr lang="en-US" sz="6000" dirty="0"/>
+          </a:p>
+        </p:txBody>
+      </p:sp>
+    </p:spTree>
+    <p:extLst>
+      <p:ext uri="{BB962C8B-B14F-4D97-AF65-F5344CB8AC3E}">
+        <p14:creationId xmlns:p14="http://schemas.microsoft.com/office/powerpoint/2010/main" val="1322866012"/>
+      </p:ext>
+    </p:extLst>
+  </p:cSld>
+  <p:clrMapOvr>
+    <a:masterClrMapping/>
+  </p:clrMapOvr>
+</p:sld>
+</file>
+
 <file path=ppt/slides/slide3.xml><?xml version="1.0" encoding="utf-8"?>
 <p:sld xmlns:a="http://schemas.openxmlformats.org/drawingml/2006/main" xmlns:r="http://schemas.openxmlformats.org/officeDocument/2006/relationships" xmlns:p="http://schemas.openxmlformats.org/presentationml/2006/main">
   <p:cSld>

--- a/documents/nodejs.pptx
+++ b/documents/nodejs.pptx
@@ -32,6 +32,7 @@
     <p:sldId id="280" r:id="rId26"/>
     <p:sldId id="281" r:id="rId27"/>
     <p:sldId id="282" r:id="rId28"/>
+    <p:sldId id="283" r:id="rId29"/>
   </p:sldIdLst>
   <p:sldSz cx="12192000" cy="6858000"/>
   <p:notesSz cx="6858000" cy="9144000"/>
@@ -180,7 +181,7 @@
           </a:lstStyle>
           <a:p>
             <a:r>
-              <a:rPr lang="zh-CN" altLang="en-US" smtClean="0"/>
+              <a:rPr lang="zh-CN" altLang="en-US"/>
               <a:t>单击此处编辑母版标题样式</a:t>
             </a:r>
             <a:endParaRPr lang="en-US"/>
@@ -245,7 +246,7 @@
           </a:lstStyle>
           <a:p>
             <a:r>
-              <a:rPr lang="zh-CN" altLang="en-US" smtClean="0"/>
+              <a:rPr lang="zh-CN" altLang="en-US"/>
               <a:t>单击此处编辑母版副标题样式</a:t>
             </a:r>
             <a:endParaRPr lang="en-US"/>
@@ -269,7 +270,7 @@
           <a:p>
             <a:fld id="{DBFB2D8C-06E5-421B-BC72-F16D482EA972}" type="datetimeFigureOut">
               <a:rPr lang="en-US" smtClean="0"/>
-              <a:t>3/13/2019</a:t>
+              <a:t>3/18/2019</a:t>
             </a:fld>
             <a:endParaRPr lang="en-US"/>
           </a:p>
@@ -363,7 +364,7 @@
           <a:lstStyle/>
           <a:p>
             <a:r>
-              <a:rPr lang="zh-CN" altLang="en-US" smtClean="0"/>
+              <a:rPr lang="zh-CN" altLang="en-US"/>
               <a:t>单击此处编辑母版标题样式</a:t>
             </a:r>
             <a:endParaRPr lang="en-US"/>
@@ -387,35 +388,35 @@
           <a:p>
             <a:pPr lvl="0"/>
             <a:r>
-              <a:rPr lang="zh-CN" altLang="en-US" smtClean="0"/>
+              <a:rPr lang="zh-CN" altLang="en-US"/>
               <a:t>单击此处编辑母版文本样式</a:t>
             </a:r>
           </a:p>
           <a:p>
             <a:pPr lvl="1"/>
             <a:r>
-              <a:rPr lang="zh-CN" altLang="en-US" smtClean="0"/>
+              <a:rPr lang="zh-CN" altLang="en-US"/>
               <a:t>第二级</a:t>
             </a:r>
           </a:p>
           <a:p>
             <a:pPr lvl="2"/>
             <a:r>
-              <a:rPr lang="zh-CN" altLang="en-US" smtClean="0"/>
+              <a:rPr lang="zh-CN" altLang="en-US"/>
               <a:t>第三级</a:t>
             </a:r>
           </a:p>
           <a:p>
             <a:pPr lvl="3"/>
             <a:r>
-              <a:rPr lang="zh-CN" altLang="en-US" smtClean="0"/>
+              <a:rPr lang="zh-CN" altLang="en-US"/>
               <a:t>第四级</a:t>
             </a:r>
           </a:p>
           <a:p>
             <a:pPr lvl="4"/>
             <a:r>
-              <a:rPr lang="zh-CN" altLang="en-US" smtClean="0"/>
+              <a:rPr lang="zh-CN" altLang="en-US"/>
               <a:t>第五级</a:t>
             </a:r>
             <a:endParaRPr lang="en-US"/>
@@ -439,7 +440,7 @@
           <a:p>
             <a:fld id="{DBFB2D8C-06E5-421B-BC72-F16D482EA972}" type="datetimeFigureOut">
               <a:rPr lang="en-US" smtClean="0"/>
-              <a:t>3/13/2019</a:t>
+              <a:t>3/18/2019</a:t>
             </a:fld>
             <a:endParaRPr lang="en-US"/>
           </a:p>
@@ -538,7 +539,7 @@
           <a:lstStyle/>
           <a:p>
             <a:r>
-              <a:rPr lang="zh-CN" altLang="en-US" smtClean="0"/>
+              <a:rPr lang="zh-CN" altLang="en-US"/>
               <a:t>单击此处编辑母版标题样式</a:t>
             </a:r>
             <a:endParaRPr lang="en-US"/>
@@ -567,35 +568,35 @@
           <a:p>
             <a:pPr lvl="0"/>
             <a:r>
-              <a:rPr lang="zh-CN" altLang="en-US" smtClean="0"/>
+              <a:rPr lang="zh-CN" altLang="en-US"/>
               <a:t>单击此处编辑母版文本样式</a:t>
             </a:r>
           </a:p>
           <a:p>
             <a:pPr lvl="1"/>
             <a:r>
-              <a:rPr lang="zh-CN" altLang="en-US" smtClean="0"/>
+              <a:rPr lang="zh-CN" altLang="en-US"/>
               <a:t>第二级</a:t>
             </a:r>
           </a:p>
           <a:p>
             <a:pPr lvl="2"/>
             <a:r>
-              <a:rPr lang="zh-CN" altLang="en-US" smtClean="0"/>
+              <a:rPr lang="zh-CN" altLang="en-US"/>
               <a:t>第三级</a:t>
             </a:r>
           </a:p>
           <a:p>
             <a:pPr lvl="3"/>
             <a:r>
-              <a:rPr lang="zh-CN" altLang="en-US" smtClean="0"/>
+              <a:rPr lang="zh-CN" altLang="en-US"/>
               <a:t>第四级</a:t>
             </a:r>
           </a:p>
           <a:p>
             <a:pPr lvl="4"/>
             <a:r>
-              <a:rPr lang="zh-CN" altLang="en-US" smtClean="0"/>
+              <a:rPr lang="zh-CN" altLang="en-US"/>
               <a:t>第五级</a:t>
             </a:r>
             <a:endParaRPr lang="en-US"/>
@@ -619,7 +620,7 @@
           <a:p>
             <a:fld id="{DBFB2D8C-06E5-421B-BC72-F16D482EA972}" type="datetimeFigureOut">
               <a:rPr lang="en-US" smtClean="0"/>
-              <a:t>3/13/2019</a:t>
+              <a:t>3/18/2019</a:t>
             </a:fld>
             <a:endParaRPr lang="en-US"/>
           </a:p>
@@ -713,7 +714,7 @@
           <a:lstStyle/>
           <a:p>
             <a:r>
-              <a:rPr lang="zh-CN" altLang="en-US" smtClean="0"/>
+              <a:rPr lang="zh-CN" altLang="en-US"/>
               <a:t>单击此处编辑母版标题样式</a:t>
             </a:r>
             <a:endParaRPr lang="en-US"/>
@@ -737,35 +738,35 @@
           <a:p>
             <a:pPr lvl="0"/>
             <a:r>
-              <a:rPr lang="zh-CN" altLang="en-US" smtClean="0"/>
+              <a:rPr lang="zh-CN" altLang="en-US"/>
               <a:t>单击此处编辑母版文本样式</a:t>
             </a:r>
           </a:p>
           <a:p>
             <a:pPr lvl="1"/>
             <a:r>
-              <a:rPr lang="zh-CN" altLang="en-US" smtClean="0"/>
+              <a:rPr lang="zh-CN" altLang="en-US"/>
               <a:t>第二级</a:t>
             </a:r>
           </a:p>
           <a:p>
             <a:pPr lvl="2"/>
             <a:r>
-              <a:rPr lang="zh-CN" altLang="en-US" smtClean="0"/>
+              <a:rPr lang="zh-CN" altLang="en-US"/>
               <a:t>第三级</a:t>
             </a:r>
           </a:p>
           <a:p>
             <a:pPr lvl="3"/>
             <a:r>
-              <a:rPr lang="zh-CN" altLang="en-US" smtClean="0"/>
+              <a:rPr lang="zh-CN" altLang="en-US"/>
               <a:t>第四级</a:t>
             </a:r>
           </a:p>
           <a:p>
             <a:pPr lvl="4"/>
             <a:r>
-              <a:rPr lang="zh-CN" altLang="en-US" smtClean="0"/>
+              <a:rPr lang="zh-CN" altLang="en-US"/>
               <a:t>第五级</a:t>
             </a:r>
             <a:endParaRPr lang="en-US"/>
@@ -789,7 +790,7 @@
           <a:p>
             <a:fld id="{DBFB2D8C-06E5-421B-BC72-F16D482EA972}" type="datetimeFigureOut">
               <a:rPr lang="en-US" smtClean="0"/>
-              <a:t>3/13/2019</a:t>
+              <a:t>3/18/2019</a:t>
             </a:fld>
             <a:endParaRPr lang="en-US"/>
           </a:p>
@@ -892,7 +893,7 @@
           </a:lstStyle>
           <a:p>
             <a:r>
-              <a:rPr lang="zh-CN" altLang="en-US" smtClean="0"/>
+              <a:rPr lang="zh-CN" altLang="en-US"/>
               <a:t>单击此处编辑母版标题样式</a:t>
             </a:r>
             <a:endParaRPr lang="en-US"/>
@@ -1012,7 +1013,7 @@
           <a:p>
             <a:pPr lvl="0"/>
             <a:r>
-              <a:rPr lang="zh-CN" altLang="en-US" smtClean="0"/>
+              <a:rPr lang="zh-CN" altLang="en-US"/>
               <a:t>单击此处编辑母版文本样式</a:t>
             </a:r>
           </a:p>
@@ -1035,7 +1036,7 @@
           <a:p>
             <a:fld id="{DBFB2D8C-06E5-421B-BC72-F16D482EA972}" type="datetimeFigureOut">
               <a:rPr lang="en-US" smtClean="0"/>
-              <a:t>3/13/2019</a:t>
+              <a:t>3/18/2019</a:t>
             </a:fld>
             <a:endParaRPr lang="en-US"/>
           </a:p>
@@ -1129,7 +1130,7 @@
           <a:lstStyle/>
           <a:p>
             <a:r>
-              <a:rPr lang="zh-CN" altLang="en-US" smtClean="0"/>
+              <a:rPr lang="zh-CN" altLang="en-US"/>
               <a:t>单击此处编辑母版标题样式</a:t>
             </a:r>
             <a:endParaRPr lang="en-US"/>
@@ -1158,35 +1159,35 @@
           <a:p>
             <a:pPr lvl="0"/>
             <a:r>
-              <a:rPr lang="zh-CN" altLang="en-US" smtClean="0"/>
+              <a:rPr lang="zh-CN" altLang="en-US"/>
               <a:t>单击此处编辑母版文本样式</a:t>
             </a:r>
           </a:p>
           <a:p>
             <a:pPr lvl="1"/>
             <a:r>
-              <a:rPr lang="zh-CN" altLang="en-US" smtClean="0"/>
+              <a:rPr lang="zh-CN" altLang="en-US"/>
               <a:t>第二级</a:t>
             </a:r>
           </a:p>
           <a:p>
             <a:pPr lvl="2"/>
             <a:r>
-              <a:rPr lang="zh-CN" altLang="en-US" smtClean="0"/>
+              <a:rPr lang="zh-CN" altLang="en-US"/>
               <a:t>第三级</a:t>
             </a:r>
           </a:p>
           <a:p>
             <a:pPr lvl="3"/>
             <a:r>
-              <a:rPr lang="zh-CN" altLang="en-US" smtClean="0"/>
+              <a:rPr lang="zh-CN" altLang="en-US"/>
               <a:t>第四级</a:t>
             </a:r>
           </a:p>
           <a:p>
             <a:pPr lvl="4"/>
             <a:r>
-              <a:rPr lang="zh-CN" altLang="en-US" smtClean="0"/>
+              <a:rPr lang="zh-CN" altLang="en-US"/>
               <a:t>第五级</a:t>
             </a:r>
             <a:endParaRPr lang="en-US"/>
@@ -1215,35 +1216,35 @@
           <a:p>
             <a:pPr lvl="0"/>
             <a:r>
-              <a:rPr lang="zh-CN" altLang="en-US" smtClean="0"/>
+              <a:rPr lang="zh-CN" altLang="en-US"/>
               <a:t>单击此处编辑母版文本样式</a:t>
             </a:r>
           </a:p>
           <a:p>
             <a:pPr lvl="1"/>
             <a:r>
-              <a:rPr lang="zh-CN" altLang="en-US" smtClean="0"/>
+              <a:rPr lang="zh-CN" altLang="en-US"/>
               <a:t>第二级</a:t>
             </a:r>
           </a:p>
           <a:p>
             <a:pPr lvl="2"/>
             <a:r>
-              <a:rPr lang="zh-CN" altLang="en-US" smtClean="0"/>
+              <a:rPr lang="zh-CN" altLang="en-US"/>
               <a:t>第三级</a:t>
             </a:r>
           </a:p>
           <a:p>
             <a:pPr lvl="3"/>
             <a:r>
-              <a:rPr lang="zh-CN" altLang="en-US" smtClean="0"/>
+              <a:rPr lang="zh-CN" altLang="en-US"/>
               <a:t>第四级</a:t>
             </a:r>
           </a:p>
           <a:p>
             <a:pPr lvl="4"/>
             <a:r>
-              <a:rPr lang="zh-CN" altLang="en-US" smtClean="0"/>
+              <a:rPr lang="zh-CN" altLang="en-US"/>
               <a:t>第五级</a:t>
             </a:r>
             <a:endParaRPr lang="en-US"/>
@@ -1267,7 +1268,7 @@
           <a:p>
             <a:fld id="{DBFB2D8C-06E5-421B-BC72-F16D482EA972}" type="datetimeFigureOut">
               <a:rPr lang="en-US" smtClean="0"/>
-              <a:t>3/13/2019</a:t>
+              <a:t>3/18/2019</a:t>
             </a:fld>
             <a:endParaRPr lang="en-US"/>
           </a:p>
@@ -1366,7 +1367,7 @@
           <a:lstStyle/>
           <a:p>
             <a:r>
-              <a:rPr lang="zh-CN" altLang="en-US" smtClean="0"/>
+              <a:rPr lang="zh-CN" altLang="en-US"/>
               <a:t>单击此处编辑母版标题样式</a:t>
             </a:r>
             <a:endParaRPr lang="en-US"/>
@@ -1432,7 +1433,7 @@
           <a:p>
             <a:pPr lvl="0"/>
             <a:r>
-              <a:rPr lang="zh-CN" altLang="en-US" smtClean="0"/>
+              <a:rPr lang="zh-CN" altLang="en-US"/>
               <a:t>单击此处编辑母版文本样式</a:t>
             </a:r>
           </a:p>
@@ -1460,35 +1461,35 @@
           <a:p>
             <a:pPr lvl="0"/>
             <a:r>
-              <a:rPr lang="zh-CN" altLang="en-US" smtClean="0"/>
+              <a:rPr lang="zh-CN" altLang="en-US"/>
               <a:t>单击此处编辑母版文本样式</a:t>
             </a:r>
           </a:p>
           <a:p>
             <a:pPr lvl="1"/>
             <a:r>
-              <a:rPr lang="zh-CN" altLang="en-US" smtClean="0"/>
+              <a:rPr lang="zh-CN" altLang="en-US"/>
               <a:t>第二级</a:t>
             </a:r>
           </a:p>
           <a:p>
             <a:pPr lvl="2"/>
             <a:r>
-              <a:rPr lang="zh-CN" altLang="en-US" smtClean="0"/>
+              <a:rPr lang="zh-CN" altLang="en-US"/>
               <a:t>第三级</a:t>
             </a:r>
           </a:p>
           <a:p>
             <a:pPr lvl="3"/>
             <a:r>
-              <a:rPr lang="zh-CN" altLang="en-US" smtClean="0"/>
+              <a:rPr lang="zh-CN" altLang="en-US"/>
               <a:t>第四级</a:t>
             </a:r>
           </a:p>
           <a:p>
             <a:pPr lvl="4"/>
             <a:r>
-              <a:rPr lang="zh-CN" altLang="en-US" smtClean="0"/>
+              <a:rPr lang="zh-CN" altLang="en-US"/>
               <a:t>第五级</a:t>
             </a:r>
             <a:endParaRPr lang="en-US"/>
@@ -1554,7 +1555,7 @@
           <a:p>
             <a:pPr lvl="0"/>
             <a:r>
-              <a:rPr lang="zh-CN" altLang="en-US" smtClean="0"/>
+              <a:rPr lang="zh-CN" altLang="en-US"/>
               <a:t>单击此处编辑母版文本样式</a:t>
             </a:r>
           </a:p>
@@ -1582,35 +1583,35 @@
           <a:p>
             <a:pPr lvl="0"/>
             <a:r>
-              <a:rPr lang="zh-CN" altLang="en-US" smtClean="0"/>
+              <a:rPr lang="zh-CN" altLang="en-US"/>
               <a:t>单击此处编辑母版文本样式</a:t>
             </a:r>
           </a:p>
           <a:p>
             <a:pPr lvl="1"/>
             <a:r>
-              <a:rPr lang="zh-CN" altLang="en-US" smtClean="0"/>
+              <a:rPr lang="zh-CN" altLang="en-US"/>
               <a:t>第二级</a:t>
             </a:r>
           </a:p>
           <a:p>
             <a:pPr lvl="2"/>
             <a:r>
-              <a:rPr lang="zh-CN" altLang="en-US" smtClean="0"/>
+              <a:rPr lang="zh-CN" altLang="en-US"/>
               <a:t>第三级</a:t>
             </a:r>
           </a:p>
           <a:p>
             <a:pPr lvl="3"/>
             <a:r>
-              <a:rPr lang="zh-CN" altLang="en-US" smtClean="0"/>
+              <a:rPr lang="zh-CN" altLang="en-US"/>
               <a:t>第四级</a:t>
             </a:r>
           </a:p>
           <a:p>
             <a:pPr lvl="4"/>
             <a:r>
-              <a:rPr lang="zh-CN" altLang="en-US" smtClean="0"/>
+              <a:rPr lang="zh-CN" altLang="en-US"/>
               <a:t>第五级</a:t>
             </a:r>
             <a:endParaRPr lang="en-US"/>
@@ -1634,7 +1635,7 @@
           <a:p>
             <a:fld id="{DBFB2D8C-06E5-421B-BC72-F16D482EA972}" type="datetimeFigureOut">
               <a:rPr lang="en-US" smtClean="0"/>
-              <a:t>3/13/2019</a:t>
+              <a:t>3/18/2019</a:t>
             </a:fld>
             <a:endParaRPr lang="en-US"/>
           </a:p>
@@ -1728,7 +1729,7 @@
           <a:lstStyle/>
           <a:p>
             <a:r>
-              <a:rPr lang="zh-CN" altLang="en-US" smtClean="0"/>
+              <a:rPr lang="zh-CN" altLang="en-US"/>
               <a:t>单击此处编辑母版标题样式</a:t>
             </a:r>
             <a:endParaRPr lang="en-US"/>
@@ -1752,7 +1753,7 @@
           <a:p>
             <a:fld id="{DBFB2D8C-06E5-421B-BC72-F16D482EA972}" type="datetimeFigureOut">
               <a:rPr lang="en-US" smtClean="0"/>
-              <a:t>3/13/2019</a:t>
+              <a:t>3/18/2019</a:t>
             </a:fld>
             <a:endParaRPr lang="en-US"/>
           </a:p>
@@ -1847,7 +1848,7 @@
           <a:p>
             <a:fld id="{DBFB2D8C-06E5-421B-BC72-F16D482EA972}" type="datetimeFigureOut">
               <a:rPr lang="en-US" smtClean="0"/>
-              <a:t>3/13/2019</a:t>
+              <a:t>3/18/2019</a:t>
             </a:fld>
             <a:endParaRPr lang="en-US"/>
           </a:p>
@@ -1950,7 +1951,7 @@
           </a:lstStyle>
           <a:p>
             <a:r>
-              <a:rPr lang="zh-CN" altLang="en-US" smtClean="0"/>
+              <a:rPr lang="zh-CN" altLang="en-US"/>
               <a:t>单击此处编辑母版标题样式</a:t>
             </a:r>
             <a:endParaRPr lang="en-US"/>
@@ -2007,35 +2008,35 @@
           <a:p>
             <a:pPr lvl="0"/>
             <a:r>
-              <a:rPr lang="zh-CN" altLang="en-US" smtClean="0"/>
+              <a:rPr lang="zh-CN" altLang="en-US"/>
               <a:t>单击此处编辑母版文本样式</a:t>
             </a:r>
           </a:p>
           <a:p>
             <a:pPr lvl="1"/>
             <a:r>
-              <a:rPr lang="zh-CN" altLang="en-US" smtClean="0"/>
+              <a:rPr lang="zh-CN" altLang="en-US"/>
               <a:t>第二级</a:t>
             </a:r>
           </a:p>
           <a:p>
             <a:pPr lvl="2"/>
             <a:r>
-              <a:rPr lang="zh-CN" altLang="en-US" smtClean="0"/>
+              <a:rPr lang="zh-CN" altLang="en-US"/>
               <a:t>第三级</a:t>
             </a:r>
           </a:p>
           <a:p>
             <a:pPr lvl="3"/>
             <a:r>
-              <a:rPr lang="zh-CN" altLang="en-US" smtClean="0"/>
+              <a:rPr lang="zh-CN" altLang="en-US"/>
               <a:t>第四级</a:t>
             </a:r>
           </a:p>
           <a:p>
             <a:pPr lvl="4"/>
             <a:r>
-              <a:rPr lang="zh-CN" altLang="en-US" smtClean="0"/>
+              <a:rPr lang="zh-CN" altLang="en-US"/>
               <a:t>第五级</a:t>
             </a:r>
             <a:endParaRPr lang="en-US"/>
@@ -2101,7 +2102,7 @@
           <a:p>
             <a:pPr lvl="0"/>
             <a:r>
-              <a:rPr lang="zh-CN" altLang="en-US" smtClean="0"/>
+              <a:rPr lang="zh-CN" altLang="en-US"/>
               <a:t>单击此处编辑母版文本样式</a:t>
             </a:r>
           </a:p>
@@ -2124,7 +2125,7 @@
           <a:p>
             <a:fld id="{DBFB2D8C-06E5-421B-BC72-F16D482EA972}" type="datetimeFigureOut">
               <a:rPr lang="en-US" smtClean="0"/>
-              <a:t>3/13/2019</a:t>
+              <a:t>3/18/2019</a:t>
             </a:fld>
             <a:endParaRPr lang="en-US"/>
           </a:p>
@@ -2227,7 +2228,7 @@
           </a:lstStyle>
           <a:p>
             <a:r>
-              <a:rPr lang="zh-CN" altLang="en-US" smtClean="0"/>
+              <a:rPr lang="zh-CN" altLang="en-US"/>
               <a:t>单击此处编辑母版标题样式</a:t>
             </a:r>
             <a:endParaRPr lang="en-US"/>
@@ -2354,7 +2355,7 @@
           <a:p>
             <a:pPr lvl="0"/>
             <a:r>
-              <a:rPr lang="zh-CN" altLang="en-US" smtClean="0"/>
+              <a:rPr lang="zh-CN" altLang="en-US"/>
               <a:t>单击此处编辑母版文本样式</a:t>
             </a:r>
           </a:p>
@@ -2377,7 +2378,7 @@
           <a:p>
             <a:fld id="{DBFB2D8C-06E5-421B-BC72-F16D482EA972}" type="datetimeFigureOut">
               <a:rPr lang="en-US" smtClean="0"/>
-              <a:t>3/13/2019</a:t>
+              <a:t>3/18/2019</a:t>
             </a:fld>
             <a:endParaRPr lang="en-US"/>
           </a:p>
@@ -2486,7 +2487,7 @@
           <a:lstStyle/>
           <a:p>
             <a:r>
-              <a:rPr lang="zh-CN" altLang="en-US" smtClean="0"/>
+              <a:rPr lang="zh-CN" altLang="en-US"/>
               <a:t>单击此处编辑母版标题样式</a:t>
             </a:r>
             <a:endParaRPr lang="en-US"/>
@@ -2520,35 +2521,35 @@
           <a:p>
             <a:pPr lvl="0"/>
             <a:r>
-              <a:rPr lang="zh-CN" altLang="en-US" smtClean="0"/>
+              <a:rPr lang="zh-CN" altLang="en-US"/>
               <a:t>单击此处编辑母版文本样式</a:t>
             </a:r>
           </a:p>
           <a:p>
             <a:pPr lvl="1"/>
             <a:r>
-              <a:rPr lang="zh-CN" altLang="en-US" smtClean="0"/>
+              <a:rPr lang="zh-CN" altLang="en-US"/>
               <a:t>第二级</a:t>
             </a:r>
           </a:p>
           <a:p>
             <a:pPr lvl="2"/>
             <a:r>
-              <a:rPr lang="zh-CN" altLang="en-US" smtClean="0"/>
+              <a:rPr lang="zh-CN" altLang="en-US"/>
               <a:t>第三级</a:t>
             </a:r>
           </a:p>
           <a:p>
             <a:pPr lvl="3"/>
             <a:r>
-              <a:rPr lang="zh-CN" altLang="en-US" smtClean="0"/>
+              <a:rPr lang="zh-CN" altLang="en-US"/>
               <a:t>第四级</a:t>
             </a:r>
           </a:p>
           <a:p>
             <a:pPr lvl="4"/>
             <a:r>
-              <a:rPr lang="zh-CN" altLang="en-US" smtClean="0"/>
+              <a:rPr lang="zh-CN" altLang="en-US"/>
               <a:t>第五级</a:t>
             </a:r>
             <a:endParaRPr lang="en-US"/>
@@ -2590,7 +2591,7 @@
           <a:p>
             <a:fld id="{DBFB2D8C-06E5-421B-BC72-F16D482EA972}" type="datetimeFigureOut">
               <a:rPr lang="en-US" smtClean="0"/>
-              <a:t>3/13/2019</a:t>
+              <a:t>3/18/2019</a:t>
             </a:fld>
             <a:endParaRPr lang="en-US"/>
           </a:p>
@@ -3017,10 +3018,9 @@
           <a:lstStyle/>
           <a:p>
             <a:r>
-              <a:rPr lang="en-US" sz="6000" dirty="0" smtClean="0"/>
+              <a:rPr lang="en-US" sz="6000" dirty="0"/>
               <a:t>What is Node</a:t>
             </a:r>
-            <a:endParaRPr lang="en-US" sz="6000" dirty="0"/>
           </a:p>
         </p:txBody>
       </p:sp>
@@ -3316,7 +3316,7 @@
           <a:lstStyle/>
           <a:p>
             <a:r>
-              <a:rPr lang="zh-CN" altLang="en-US" sz="6000" dirty="0" smtClean="0"/>
+              <a:rPr lang="zh-CN" altLang="en-US" sz="6000" dirty="0"/>
               <a:t>课程内容</a:t>
             </a:r>
             <a:endParaRPr lang="en-US" sz="6000" dirty="0"/>
@@ -4035,7 +4035,7 @@
           <a:lstStyle/>
           <a:p>
             <a:r>
-              <a:rPr lang="en-US" altLang="zh-CN" sz="6000" dirty="0" smtClean="0"/>
+              <a:rPr lang="en-US" altLang="zh-CN" sz="6000" dirty="0"/>
               <a:t>Node Module System</a:t>
             </a:r>
             <a:endParaRPr lang="en-US" sz="6000" dirty="0"/>
@@ -4154,7 +4154,7 @@
           <a:lstStyle/>
           <a:p>
             <a:r>
-              <a:rPr lang="en-US" altLang="zh-CN" sz="6000" dirty="0" smtClean="0"/>
+              <a:rPr lang="en-US" altLang="zh-CN" sz="6000" dirty="0"/>
               <a:t>NPM</a:t>
             </a:r>
             <a:endParaRPr lang="en-US" sz="6000" dirty="0"/>
@@ -4165,6 +4165,64 @@
     <p:extLst>
       <p:ext uri="{BB962C8B-B14F-4D97-AF65-F5344CB8AC3E}">
         <p14:creationId xmlns:p14="http://schemas.microsoft.com/office/powerpoint/2010/main" val="1322866012"/>
+      </p:ext>
+    </p:extLst>
+  </p:cSld>
+  <p:clrMapOvr>
+    <a:masterClrMapping/>
+  </p:clrMapOvr>
+</p:sld>
+</file>
+
+<file path=ppt/slides/slide28.xml><?xml version="1.0" encoding="utf-8"?>
+<p:sld xmlns:a="http://schemas.openxmlformats.org/drawingml/2006/main" xmlns:r="http://schemas.openxmlformats.org/officeDocument/2006/relationships" xmlns:p="http://schemas.openxmlformats.org/presentationml/2006/main">
+  <p:cSld>
+    <p:spTree>
+      <p:nvGrpSpPr>
+        <p:cNvPr id="1" name=""/>
+        <p:cNvGrpSpPr/>
+        <p:nvPr/>
+      </p:nvGrpSpPr>
+      <p:grpSpPr>
+        <a:xfrm>
+          <a:off x="0" y="0"/>
+          <a:ext cx="0" cy="0"/>
+          <a:chOff x="0" y="0"/>
+          <a:chExt cx="0" cy="0"/>
+        </a:xfrm>
+      </p:grpSpPr>
+      <p:sp>
+        <p:nvSpPr>
+          <p:cNvPr id="3" name="矩形 2"/>
+          <p:cNvSpPr/>
+          <p:nvPr/>
+        </p:nvSpPr>
+        <p:spPr>
+          <a:xfrm>
+            <a:off x="2471726" y="2413337"/>
+            <a:ext cx="6751720" cy="1015663"/>
+          </a:xfrm>
+          <a:prstGeom prst="rect">
+            <a:avLst/>
+          </a:prstGeom>
+        </p:spPr>
+        <p:txBody>
+          <a:bodyPr wrap="none">
+            <a:spAutoFit/>
+          </a:bodyPr>
+          <a:lstStyle/>
+          <a:p>
+            <a:r>
+              <a:rPr lang="en-US" sz="6000" dirty="0"/>
+              <a:t>Node’s Global Object</a:t>
+            </a:r>
+          </a:p>
+        </p:txBody>
+      </p:sp>
+    </p:spTree>
+    <p:extLst>
+      <p:ext uri="{BB962C8B-B14F-4D97-AF65-F5344CB8AC3E}">
+        <p14:creationId xmlns:p14="http://schemas.microsoft.com/office/powerpoint/2010/main" val="3419304548"/>
       </p:ext>
     </p:extLst>
   </p:cSld>

--- a/documents/nodejs.pptx
+++ b/documents/nodejs.pptx
@@ -33,6 +33,8 @@
     <p:sldId id="281" r:id="rId27"/>
     <p:sldId id="282" r:id="rId28"/>
     <p:sldId id="283" r:id="rId29"/>
+    <p:sldId id="284" r:id="rId30"/>
+    <p:sldId id="285" r:id="rId31"/>
   </p:sldIdLst>
   <p:sldSz cx="12192000" cy="6858000"/>
   <p:notesSz cx="6858000" cy="9144000"/>
@@ -4232,6 +4234,200 @@
 </p:sld>
 </file>
 
+<file path=ppt/slides/slide29.xml><?xml version="1.0" encoding="utf-8"?>
+<p:sld xmlns:a="http://schemas.openxmlformats.org/drawingml/2006/main" xmlns:r="http://schemas.openxmlformats.org/officeDocument/2006/relationships" xmlns:p="http://schemas.openxmlformats.org/presentationml/2006/main">
+  <p:cSld>
+    <p:spTree>
+      <p:nvGrpSpPr>
+        <p:cNvPr id="1" name=""/>
+        <p:cNvGrpSpPr/>
+        <p:nvPr/>
+      </p:nvGrpSpPr>
+      <p:grpSpPr>
+        <a:xfrm>
+          <a:off x="0" y="0"/>
+          <a:ext cx="0" cy="0"/>
+          <a:chOff x="0" y="0"/>
+          <a:chExt cx="0" cy="0"/>
+        </a:xfrm>
+      </p:grpSpPr>
+      <p:sp>
+        <p:nvSpPr>
+          <p:cNvPr id="3" name="矩形 2"/>
+          <p:cNvSpPr/>
+          <p:nvPr/>
+        </p:nvSpPr>
+        <p:spPr>
+          <a:xfrm>
+            <a:off x="3330723" y="556402"/>
+            <a:ext cx="5530553" cy="1015663"/>
+          </a:xfrm>
+          <a:prstGeom prst="rect">
+            <a:avLst/>
+          </a:prstGeom>
+        </p:spPr>
+        <p:txBody>
+          <a:bodyPr wrap="none">
+            <a:spAutoFit/>
+          </a:bodyPr>
+          <a:lstStyle/>
+          <a:p>
+            <a:r>
+              <a:rPr lang="en-US" sz="6000" dirty="0"/>
+              <a:t>HTTP Framework</a:t>
+            </a:r>
+          </a:p>
+        </p:txBody>
+      </p:sp>
+      <p:sp>
+        <p:nvSpPr>
+          <p:cNvPr id="4" name="矩形 3">
+            <a:extLst>
+              <a:ext uri="{FF2B5EF4-FFF2-40B4-BE49-F238E27FC236}">
+                <a16:creationId xmlns:a16="http://schemas.microsoft.com/office/drawing/2014/main" id="{91A65F3A-4135-4CC6-AF22-EC70724B3342}"/>
+              </a:ext>
+            </a:extLst>
+          </p:cNvPr>
+          <p:cNvSpPr/>
+          <p:nvPr/>
+        </p:nvSpPr>
+        <p:spPr>
+          <a:xfrm>
+            <a:off x="3330723" y="1726809"/>
+            <a:ext cx="1755289" cy="707886"/>
+          </a:xfrm>
+          <a:prstGeom prst="rect">
+            <a:avLst/>
+          </a:prstGeom>
+        </p:spPr>
+        <p:txBody>
+          <a:bodyPr wrap="none">
+            <a:spAutoFit/>
+          </a:bodyPr>
+          <a:lstStyle/>
+          <a:p>
+            <a:r>
+              <a:rPr lang="en-US" sz="4000" dirty="0"/>
+              <a:t>Express</a:t>
+            </a:r>
+          </a:p>
+        </p:txBody>
+      </p:sp>
+      <p:sp>
+        <p:nvSpPr>
+          <p:cNvPr id="5" name="矩形 4">
+            <a:extLst>
+              <a:ext uri="{FF2B5EF4-FFF2-40B4-BE49-F238E27FC236}">
+                <a16:creationId xmlns:a16="http://schemas.microsoft.com/office/drawing/2014/main" id="{4CC477ED-8CF4-4B0A-B363-C0175A1C3A84}"/>
+              </a:ext>
+            </a:extLst>
+          </p:cNvPr>
+          <p:cNvSpPr/>
+          <p:nvPr/>
+        </p:nvSpPr>
+        <p:spPr>
+          <a:xfrm>
+            <a:off x="3330723" y="2407543"/>
+            <a:ext cx="957634" cy="707886"/>
+          </a:xfrm>
+          <a:prstGeom prst="rect">
+            <a:avLst/>
+          </a:prstGeom>
+        </p:spPr>
+        <p:txBody>
+          <a:bodyPr wrap="none">
+            <a:spAutoFit/>
+          </a:bodyPr>
+          <a:lstStyle/>
+          <a:p>
+            <a:r>
+              <a:rPr lang="en-US" sz="4000" dirty="0"/>
+              <a:t>Koa</a:t>
+            </a:r>
+          </a:p>
+        </p:txBody>
+      </p:sp>
+      <p:sp>
+        <p:nvSpPr>
+          <p:cNvPr id="6" name="矩形 5">
+            <a:extLst>
+              <a:ext uri="{FF2B5EF4-FFF2-40B4-BE49-F238E27FC236}">
+                <a16:creationId xmlns:a16="http://schemas.microsoft.com/office/drawing/2014/main" id="{554D74E1-873D-402A-A4B1-39E6B20126A1}"/>
+              </a:ext>
+            </a:extLst>
+          </p:cNvPr>
+          <p:cNvSpPr/>
+          <p:nvPr/>
+        </p:nvSpPr>
+        <p:spPr>
+          <a:xfrm>
+            <a:off x="3330723" y="3115429"/>
+            <a:ext cx="1099981" cy="707886"/>
+          </a:xfrm>
+          <a:prstGeom prst="rect">
+            <a:avLst/>
+          </a:prstGeom>
+        </p:spPr>
+        <p:txBody>
+          <a:bodyPr wrap="none">
+            <a:spAutoFit/>
+          </a:bodyPr>
+          <a:lstStyle/>
+          <a:p>
+            <a:r>
+              <a:rPr lang="en-US" sz="4000" dirty="0"/>
+              <a:t>Sails</a:t>
+            </a:r>
+          </a:p>
+        </p:txBody>
+      </p:sp>
+      <p:sp>
+        <p:nvSpPr>
+          <p:cNvPr id="7" name="矩形 6">
+            <a:extLst>
+              <a:ext uri="{FF2B5EF4-FFF2-40B4-BE49-F238E27FC236}">
+                <a16:creationId xmlns:a16="http://schemas.microsoft.com/office/drawing/2014/main" id="{A79A7997-DE19-43A2-8423-F99AB0E42D76}"/>
+              </a:ext>
+            </a:extLst>
+          </p:cNvPr>
+          <p:cNvSpPr/>
+          <p:nvPr/>
+        </p:nvSpPr>
+        <p:spPr>
+          <a:xfrm>
+            <a:off x="3346918" y="3823315"/>
+            <a:ext cx="1747338" cy="707886"/>
+          </a:xfrm>
+          <a:prstGeom prst="rect">
+            <a:avLst/>
+          </a:prstGeom>
+        </p:spPr>
+        <p:txBody>
+          <a:bodyPr wrap="none">
+            <a:spAutoFit/>
+          </a:bodyPr>
+          <a:lstStyle/>
+          <a:p>
+            <a:r>
+              <a:rPr lang="en-US" sz="4000" dirty="0"/>
+              <a:t>Meteor</a:t>
+            </a:r>
+          </a:p>
+        </p:txBody>
+      </p:sp>
+    </p:spTree>
+    <p:extLst>
+      <p:ext uri="{BB962C8B-B14F-4D97-AF65-F5344CB8AC3E}">
+        <p14:creationId xmlns:p14="http://schemas.microsoft.com/office/powerpoint/2010/main" val="1001887810"/>
+      </p:ext>
+    </p:extLst>
+  </p:cSld>
+  <p:clrMapOvr>
+    <a:masterClrMapping/>
+  </p:clrMapOvr>
+</p:sld>
+</file>
+
 <file path=ppt/slides/slide3.xml><?xml version="1.0" encoding="utf-8"?>
 <p:sld xmlns:a="http://schemas.openxmlformats.org/drawingml/2006/main" xmlns:r="http://schemas.openxmlformats.org/officeDocument/2006/relationships" xmlns:p="http://schemas.openxmlformats.org/presentationml/2006/main">
   <p:cSld>
@@ -4283,6 +4479,36 @@
     <p:extLst>
       <p:ext uri="{BB962C8B-B14F-4D97-AF65-F5344CB8AC3E}">
         <p14:creationId xmlns:p14="http://schemas.microsoft.com/office/powerpoint/2010/main" val="3353824253"/>
+      </p:ext>
+    </p:extLst>
+  </p:cSld>
+  <p:clrMapOvr>
+    <a:masterClrMapping/>
+  </p:clrMapOvr>
+</p:sld>
+</file>
+
+<file path=ppt/slides/slide30.xml><?xml version="1.0" encoding="utf-8"?>
+<p:sld xmlns:a="http://schemas.openxmlformats.org/drawingml/2006/main" xmlns:r="http://schemas.openxmlformats.org/officeDocument/2006/relationships" xmlns:p="http://schemas.openxmlformats.org/presentationml/2006/main">
+  <p:cSld>
+    <p:spTree>
+      <p:nvGrpSpPr>
+        <p:cNvPr id="1" name=""/>
+        <p:cNvGrpSpPr/>
+        <p:nvPr/>
+      </p:nvGrpSpPr>
+      <p:grpSpPr>
+        <a:xfrm>
+          <a:off x="0" y="0"/>
+          <a:ext cx="0" cy="0"/>
+          <a:chOff x="0" y="0"/>
+          <a:chExt cx="0" cy="0"/>
+        </a:xfrm>
+      </p:grpSpPr>
+    </p:spTree>
+    <p:extLst>
+      <p:ext uri="{BB962C8B-B14F-4D97-AF65-F5344CB8AC3E}">
+        <p14:creationId xmlns:p14="http://schemas.microsoft.com/office/powerpoint/2010/main" val="2509019989"/>
       </p:ext>
     </p:extLst>
   </p:cSld>
